--- a/presentation/01_PythonGettingStarted_KaushalyaEduTech.pptx
+++ b/presentation/01_PythonGettingStarted_KaushalyaEduTech.pptx
@@ -234,7 +234,7 @@
             <a:fld id="{6163CFDB-6FE7-4DB9-AC46-EABFEB0255DF}" type="datetimeFigureOut">
               <a:rPr lang="en-US" smtClean="0"/>
               <a:pPr/>
-              <a:t>2/10/2020</a:t>
+              <a:t>3/18/2020</a:t>
             </a:fld>
             <a:endParaRPr lang="en-US"/>
           </a:p>
@@ -3740,7 +3740,7 @@
             <a:fld id="{B3B48485-EDEB-4E5A-BB3A-BC2391E627B4}" type="datetimeFigureOut">
               <a:rPr lang="en-IN" smtClean="0"/>
               <a:pPr/>
-              <a:t>10-02-2020</a:t>
+              <a:t>18-03-2020</a:t>
             </a:fld>
             <a:endParaRPr lang="en-IN"/>
           </a:p>
@@ -3942,7 +3942,7 @@
             <a:fld id="{B3B48485-EDEB-4E5A-BB3A-BC2391E627B4}" type="datetimeFigureOut">
               <a:rPr lang="en-IN" smtClean="0"/>
               <a:pPr/>
-              <a:t>10-02-2020</a:t>
+              <a:t>18-03-2020</a:t>
             </a:fld>
             <a:endParaRPr lang="en-IN"/>
           </a:p>
@@ -4154,7 +4154,7 @@
             <a:fld id="{B3B48485-EDEB-4E5A-BB3A-BC2391E627B4}" type="datetimeFigureOut">
               <a:rPr lang="en-IN" smtClean="0"/>
               <a:pPr/>
-              <a:t>10-02-2020</a:t>
+              <a:t>18-03-2020</a:t>
             </a:fld>
             <a:endParaRPr lang="en-IN"/>
           </a:p>
@@ -4545,7 +4545,7 @@
             <a:fld id="{B3B48485-EDEB-4E5A-BB3A-BC2391E627B4}" type="datetimeFigureOut">
               <a:rPr lang="en-IN" smtClean="0"/>
               <a:pPr/>
-              <a:t>10-02-2020</a:t>
+              <a:t>18-03-2020</a:t>
             </a:fld>
             <a:endParaRPr lang="en-IN"/>
           </a:p>
@@ -4823,7 +4823,7 @@
             <a:fld id="{B3B48485-EDEB-4E5A-BB3A-BC2391E627B4}" type="datetimeFigureOut">
               <a:rPr lang="en-IN" smtClean="0"/>
               <a:pPr/>
-              <a:t>10-02-2020</a:t>
+              <a:t>18-03-2020</a:t>
             </a:fld>
             <a:endParaRPr lang="en-IN"/>
           </a:p>
@@ -5093,7 +5093,7 @@
             <a:fld id="{B3B48485-EDEB-4E5A-BB3A-BC2391E627B4}" type="datetimeFigureOut">
               <a:rPr lang="en-IN" smtClean="0"/>
               <a:pPr/>
-              <a:t>10-02-2020</a:t>
+              <a:t>18-03-2020</a:t>
             </a:fld>
             <a:endParaRPr lang="en-IN"/>
           </a:p>
@@ -5510,7 +5510,7 @@
             <a:fld id="{B3B48485-EDEB-4E5A-BB3A-BC2391E627B4}" type="datetimeFigureOut">
               <a:rPr lang="en-IN" smtClean="0"/>
               <a:pPr/>
-              <a:t>10-02-2020</a:t>
+              <a:t>18-03-2020</a:t>
             </a:fld>
             <a:endParaRPr lang="en-IN"/>
           </a:p>
@@ -5654,7 +5654,7 @@
             <a:fld id="{B3B48485-EDEB-4E5A-BB3A-BC2391E627B4}" type="datetimeFigureOut">
               <a:rPr lang="en-IN" smtClean="0"/>
               <a:pPr/>
-              <a:t>10-02-2020</a:t>
+              <a:t>18-03-2020</a:t>
             </a:fld>
             <a:endParaRPr lang="en-IN"/>
           </a:p>
@@ -5769,7 +5769,7 @@
             <a:fld id="{B3B48485-EDEB-4E5A-BB3A-BC2391E627B4}" type="datetimeFigureOut">
               <a:rPr lang="en-IN" smtClean="0"/>
               <a:pPr/>
-              <a:t>10-02-2020</a:t>
+              <a:t>18-03-2020</a:t>
             </a:fld>
             <a:endParaRPr lang="en-IN"/>
           </a:p>
@@ -6084,7 +6084,7 @@
             <a:fld id="{B3B48485-EDEB-4E5A-BB3A-BC2391E627B4}" type="datetimeFigureOut">
               <a:rPr lang="en-IN" smtClean="0"/>
               <a:pPr/>
-              <a:t>10-02-2020</a:t>
+              <a:t>18-03-2020</a:t>
             </a:fld>
             <a:endParaRPr lang="en-IN"/>
           </a:p>
@@ -6375,7 +6375,7 @@
             <a:fld id="{B3B48485-EDEB-4E5A-BB3A-BC2391E627B4}" type="datetimeFigureOut">
               <a:rPr lang="en-IN" smtClean="0"/>
               <a:pPr/>
-              <a:t>10-02-2020</a:t>
+              <a:t>18-03-2020</a:t>
             </a:fld>
             <a:endParaRPr lang="en-IN"/>
           </a:p>
@@ -6620,7 +6620,7 @@
             <a:fld id="{B3B48485-EDEB-4E5A-BB3A-BC2391E627B4}" type="datetimeFigureOut">
               <a:rPr lang="en-IN" smtClean="0"/>
               <a:pPr/>
-              <a:t>10-02-2020</a:t>
+              <a:t>18-03-2020</a:t>
             </a:fld>
             <a:endParaRPr lang="en-IN"/>
           </a:p>
@@ -10973,7 +10973,23 @@
             <a:pPr marL="609585" indent="-609585"/>
             <a:r>
               <a:rPr lang="en-IN" sz="2100" dirty="0"/>
-              <a:t>It’s a 60 hour course</a:t>
+              <a:t>It’s </a:t>
+            </a:r>
+            <a:r>
+              <a:rPr lang="en-IN" sz="2100"/>
+              <a:t>a </a:t>
+            </a:r>
+            <a:r>
+              <a:rPr lang="en-IN" sz="2100" dirty="0"/>
+              <a:t>4</a:t>
+            </a:r>
+            <a:r>
+              <a:rPr lang="en-IN" sz="2100"/>
+              <a:t>0 </a:t>
+            </a:r>
+            <a:r>
+              <a:rPr lang="en-IN" sz="2100" dirty="0"/>
+              <a:t>hour course</a:t>
             </a:r>
             <a:endParaRPr lang="en-US" sz="2100" dirty="0"/>
           </a:p>
